--- a/558-hw1-presentation.pptx
+++ b/558-hw1-presentation.pptx
@@ -8,7 +8,8 @@
   </p:sldMasterIdLst>
   <p:sldIdLst>
     <p:sldId id="256" r:id="rId4"/>
-    <p:sldId id="257" r:id="rId5"/>
+    <p:sldId id="258" r:id="rId5"/>
+    <p:sldId id="257" r:id="rId6"/>
   </p:sldIdLst>
   <p:sldSz cx="9144000" cy="5143500" type="screen16x9"/>
   <p:notesSz cx="6858000" cy="9144000"/>
@@ -4460,7 +4461,7 @@
                 </a:solidFill>
                 <a:latin typeface="Encode Sans Normal Black" charset="0"/>
               </a:rPr>
-              <a:t>Nicolas </a:t>
+              <a:t>Nick </a:t>
             </a:r>
             <a:r>
               <a:rPr lang="en-IN" sz="1600" b="1" i="1" dirty="0" err="1">
@@ -4471,14 +4472,6 @@
               </a:rPr>
               <a:t>Solovyev</a:t>
             </a:r>
-            <a:endParaRPr lang="en-IN" sz="1600" b="1" i="1" dirty="0">
-              <a:solidFill>
-                <a:schemeClr val="tx2"/>
-              </a:solidFill>
-              <a:latin typeface="Encode Sans Normal Black" charset="0"/>
-            </a:endParaRPr>
-          </a:p>
-          <a:p>
             <a:r>
               <a:rPr lang="en-IN" sz="1600" b="1" i="1" dirty="0">
                 <a:solidFill>
@@ -4486,7 +4479,18 @@
                 </a:solidFill>
                 <a:latin typeface="Encode Sans Normal Black" charset="0"/>
               </a:rPr>
-              <a:t>Himanshu Thakur</a:t>
+              <a:t>  (2176780)</a:t>
+            </a:r>
+          </a:p>
+          <a:p>
+            <a:r>
+              <a:rPr lang="en-IN" sz="1600" b="1" i="1" dirty="0">
+                <a:solidFill>
+                  <a:schemeClr val="tx2"/>
+                </a:solidFill>
+                <a:latin typeface="Encode Sans Normal Black" charset="0"/>
+              </a:rPr>
+              <a:t>Himanshu Thakur (2075434)</a:t>
             </a:r>
           </a:p>
         </p:txBody>
@@ -4505,6 +4509,66 @@
 </file>
 
 <file path=ppt/slides/slide2.xml><?xml version="1.0" encoding="utf-8"?>
+<p:sld xmlns:a="http://schemas.openxmlformats.org/drawingml/2006/main" xmlns:r="http://schemas.openxmlformats.org/officeDocument/2006/relationships" xmlns:p="http://schemas.openxmlformats.org/presentationml/2006/main" showMasterSp="0">
+  <p:cSld>
+    <p:spTree>
+      <p:nvGrpSpPr>
+        <p:cNvPr id="1" name=""/>
+        <p:cNvGrpSpPr/>
+        <p:nvPr/>
+      </p:nvGrpSpPr>
+      <p:grpSpPr>
+        <a:xfrm>
+          <a:off x="0" y="0"/>
+          <a:ext cx="0" cy="0"/>
+          <a:chOff x="0" y="0"/>
+          <a:chExt cx="0" cy="0"/>
+        </a:xfrm>
+      </p:grpSpPr>
+      <p:pic>
+        <p:nvPicPr>
+          <p:cNvPr id="4" name="Picture 3" descr="Graphical user interface, application&#10;&#10;Description automatically generated">
+            <a:extLst>
+              <a:ext uri="{FF2B5EF4-FFF2-40B4-BE49-F238E27FC236}">
+                <a16:creationId xmlns:a16="http://schemas.microsoft.com/office/drawing/2014/main" id="{27355BD0-9F23-4BBD-97F2-44C5539BD9A4}"/>
+              </a:ext>
+            </a:extLst>
+          </p:cNvPr>
+          <p:cNvPicPr>
+            <a:picLocks noChangeAspect="1"/>
+          </p:cNvPicPr>
+          <p:nvPr/>
+        </p:nvPicPr>
+        <p:blipFill>
+          <a:blip r:embed="rId2"/>
+          <a:stretch>
+            <a:fillRect/>
+          </a:stretch>
+        </p:blipFill>
+        <p:spPr>
+          <a:xfrm>
+            <a:off x="0" y="0"/>
+            <a:ext cx="9144000" cy="5143500"/>
+          </a:xfrm>
+          <a:prstGeom prst="rect">
+            <a:avLst/>
+          </a:prstGeom>
+        </p:spPr>
+      </p:pic>
+    </p:spTree>
+    <p:extLst>
+      <p:ext uri="{BB962C8B-B14F-4D97-AF65-F5344CB8AC3E}">
+        <p14:creationId xmlns:p14="http://schemas.microsoft.com/office/powerpoint/2010/main" val="2655986312"/>
+      </p:ext>
+    </p:extLst>
+  </p:cSld>
+  <p:clrMapOvr>
+    <a:masterClrMapping/>
+  </p:clrMapOvr>
+</p:sld>
+</file>
+
+<file path=ppt/slides/slide3.xml><?xml version="1.0" encoding="utf-8"?>
 <p:sld xmlns:a="http://schemas.openxmlformats.org/drawingml/2006/main" xmlns:r="http://schemas.openxmlformats.org/officeDocument/2006/relationships" xmlns:p="http://schemas.openxmlformats.org/presentationml/2006/main">
   <p:cSld>
     <p:spTree>
